--- a/data/data.pptx
+++ b/data/data.pptx
@@ -5,10 +5,8 @@
     <p:sldMasterId id="2147483648" r:id="rId1"/>
   </p:sldMasterIdLst>
   <p:sldIdLst>
-    <p:sldId id="256" r:id="rId2"/>
-    <p:sldId id="257" r:id="rId3"/>
-    <p:sldId id="258" r:id="rId4"/>
-    <p:sldId id="259" r:id="rId5"/>
+    <p:sldId id="263" r:id="rId2"/>
+    <p:sldId id="264" r:id="rId3"/>
   </p:sldIdLst>
   <p:sldSz cx="12192000" cy="6858000"/>
   <p:notesSz cx="6858000" cy="9144000"/>
@@ -107,6 +105,11 @@
       </a:defRPr>
     </a:lvl9pPr>
   </p:defaultTextStyle>
+  <p:extLst>
+    <p:ext uri="{EFAFB233-063F-42B5-8137-9DF3F51BA10A}">
+      <p15:sldGuideLst xmlns:p15="http://schemas.microsoft.com/office/powerpoint/2012/main"/>
+    </p:ext>
+  </p:extLst>
 </p:presentation>
 </file>
 
@@ -257,7 +260,7 @@
           <a:p>
             <a:fld id="{FEAF580E-AC0E-4152-9056-27BA4AD3630B}" type="datetimeFigureOut">
               <a:rPr lang="en-US" smtClean="0"/>
-              <a:t>6/24/2025</a:t>
+              <a:t>7/1/2025</a:t>
             </a:fld>
             <a:endParaRPr lang="en-US"/>
           </a:p>
@@ -455,7 +458,7 @@
           <a:p>
             <a:fld id="{FEAF580E-AC0E-4152-9056-27BA4AD3630B}" type="datetimeFigureOut">
               <a:rPr lang="en-US" smtClean="0"/>
-              <a:t>6/24/2025</a:t>
+              <a:t>7/1/2025</a:t>
             </a:fld>
             <a:endParaRPr lang="en-US"/>
           </a:p>
@@ -663,7 +666,7 @@
           <a:p>
             <a:fld id="{FEAF580E-AC0E-4152-9056-27BA4AD3630B}" type="datetimeFigureOut">
               <a:rPr lang="en-US" smtClean="0"/>
-              <a:t>6/24/2025</a:t>
+              <a:t>7/1/2025</a:t>
             </a:fld>
             <a:endParaRPr lang="en-US"/>
           </a:p>
@@ -861,7 +864,7 @@
           <a:p>
             <a:fld id="{FEAF580E-AC0E-4152-9056-27BA4AD3630B}" type="datetimeFigureOut">
               <a:rPr lang="en-US" smtClean="0"/>
-              <a:t>6/24/2025</a:t>
+              <a:t>7/1/2025</a:t>
             </a:fld>
             <a:endParaRPr lang="en-US"/>
           </a:p>
@@ -1136,7 +1139,7 @@
           <a:p>
             <a:fld id="{FEAF580E-AC0E-4152-9056-27BA4AD3630B}" type="datetimeFigureOut">
               <a:rPr lang="en-US" smtClean="0"/>
-              <a:t>6/24/2025</a:t>
+              <a:t>7/1/2025</a:t>
             </a:fld>
             <a:endParaRPr lang="en-US"/>
           </a:p>
@@ -1401,7 +1404,7 @@
           <a:p>
             <a:fld id="{FEAF580E-AC0E-4152-9056-27BA4AD3630B}" type="datetimeFigureOut">
               <a:rPr lang="en-US" smtClean="0"/>
-              <a:t>6/24/2025</a:t>
+              <a:t>7/1/2025</a:t>
             </a:fld>
             <a:endParaRPr lang="en-US"/>
           </a:p>
@@ -1813,7 +1816,7 @@
           <a:p>
             <a:fld id="{FEAF580E-AC0E-4152-9056-27BA4AD3630B}" type="datetimeFigureOut">
               <a:rPr lang="en-US" smtClean="0"/>
-              <a:t>6/24/2025</a:t>
+              <a:t>7/1/2025</a:t>
             </a:fld>
             <a:endParaRPr lang="en-US"/>
           </a:p>
@@ -1954,7 +1957,7 @@
           <a:p>
             <a:fld id="{FEAF580E-AC0E-4152-9056-27BA4AD3630B}" type="datetimeFigureOut">
               <a:rPr lang="en-US" smtClean="0"/>
-              <a:t>6/24/2025</a:t>
+              <a:t>7/1/2025</a:t>
             </a:fld>
             <a:endParaRPr lang="en-US"/>
           </a:p>
@@ -2067,7 +2070,7 @@
           <a:p>
             <a:fld id="{FEAF580E-AC0E-4152-9056-27BA4AD3630B}" type="datetimeFigureOut">
               <a:rPr lang="en-US" smtClean="0"/>
-              <a:t>6/24/2025</a:t>
+              <a:t>7/1/2025</a:t>
             </a:fld>
             <a:endParaRPr lang="en-US"/>
           </a:p>
@@ -2378,7 +2381,7 @@
           <a:p>
             <a:fld id="{FEAF580E-AC0E-4152-9056-27BA4AD3630B}" type="datetimeFigureOut">
               <a:rPr lang="en-US" smtClean="0"/>
-              <a:t>6/24/2025</a:t>
+              <a:t>7/1/2025</a:t>
             </a:fld>
             <a:endParaRPr lang="en-US"/>
           </a:p>
@@ -2666,7 +2669,7 @@
           <a:p>
             <a:fld id="{FEAF580E-AC0E-4152-9056-27BA4AD3630B}" type="datetimeFigureOut">
               <a:rPr lang="en-US" smtClean="0"/>
-              <a:t>6/24/2025</a:t>
+              <a:t>7/1/2025</a:t>
             </a:fld>
             <a:endParaRPr lang="en-US"/>
           </a:p>
@@ -2907,7 +2910,7 @@
           <a:p>
             <a:fld id="{FEAF580E-AC0E-4152-9056-27BA4AD3630B}" type="datetimeFigureOut">
               <a:rPr lang="en-US" smtClean="0"/>
-              <a:t>6/24/2025</a:t>
+              <a:t>7/1/2025</a:t>
             </a:fld>
             <a:endParaRPr lang="en-US"/>
           </a:p>
@@ -3329,7 +3332,7 @@
           <p:cNvPr id="5" name="Picture 4">
             <a:extLst>
               <a:ext uri="{FF2B5EF4-FFF2-40B4-BE49-F238E27FC236}">
-                <a16:creationId xmlns:a16="http://schemas.microsoft.com/office/drawing/2014/main" id="{F393ED17-3AEA-99F8-65AB-CCEBF198DBBC}"/>
+                <a16:creationId xmlns:a16="http://schemas.microsoft.com/office/drawing/2014/main" id="{FE2D12B5-FB64-E6B2-67FD-8A69FC1F4FAC}"/>
               </a:ext>
             </a:extLst>
           </p:cNvPr>
@@ -3346,8 +3349,8 @@
         </p:blipFill>
         <p:spPr>
           <a:xfrm>
-            <a:off x="1638300" y="1200150"/>
-            <a:ext cx="8915400" cy="4457700"/>
+            <a:off x="1052512" y="1200150"/>
+            <a:ext cx="10086975" cy="4457700"/>
           </a:xfrm>
           <a:prstGeom prst="rect">
             <a:avLst/>
@@ -3357,7 +3360,7 @@
     </p:spTree>
     <p:extLst>
       <p:ext uri="{BB962C8B-B14F-4D97-AF65-F5344CB8AC3E}">
-        <p14:creationId xmlns:p14="http://schemas.microsoft.com/office/powerpoint/2010/main" val="2761896563"/>
+        <p14:creationId xmlns:p14="http://schemas.microsoft.com/office/powerpoint/2010/main" val="2909119536"/>
       </p:ext>
     </p:extLst>
   </p:cSld>
@@ -3389,7 +3392,7 @@
           <p:cNvPr id="5" name="Picture 4">
             <a:extLst>
               <a:ext uri="{FF2B5EF4-FFF2-40B4-BE49-F238E27FC236}">
-                <a16:creationId xmlns:a16="http://schemas.microsoft.com/office/drawing/2014/main" id="{B9EB290B-D9F3-B30C-87E8-1CFFF70D7364}"/>
+                <a16:creationId xmlns:a16="http://schemas.microsoft.com/office/drawing/2014/main" id="{973530AF-AAE3-7B7C-5602-CC6E9D25AE65}"/>
               </a:ext>
             </a:extLst>
           </p:cNvPr>
@@ -3406,8 +3409,8 @@
         </p:blipFill>
         <p:spPr>
           <a:xfrm>
-            <a:off x="1638300" y="1200150"/>
-            <a:ext cx="8915400" cy="4457700"/>
+            <a:off x="2786062" y="195262"/>
+            <a:ext cx="6619875" cy="6467475"/>
           </a:xfrm>
           <a:prstGeom prst="rect">
             <a:avLst/>
@@ -3417,163 +3420,7 @@
     </p:spTree>
     <p:extLst>
       <p:ext uri="{BB962C8B-B14F-4D97-AF65-F5344CB8AC3E}">
-        <p14:creationId xmlns:p14="http://schemas.microsoft.com/office/powerpoint/2010/main" val="1501370601"/>
-      </p:ext>
-    </p:extLst>
-  </p:cSld>
-  <p:clrMapOvr>
-    <a:masterClrMapping/>
-  </p:clrMapOvr>
-</p:sld>
-</file>
-
-<file path=ppt/slides/slide3.xml><?xml version="1.0" encoding="utf-8"?>
-<p:sld xmlns:a="http://schemas.openxmlformats.org/drawingml/2006/main" xmlns:r="http://schemas.openxmlformats.org/officeDocument/2006/relationships" xmlns:p="http://schemas.openxmlformats.org/presentationml/2006/main">
-  <p:cSld>
-    <p:spTree>
-      <p:nvGrpSpPr>
-        <p:cNvPr id="1" name=""/>
-        <p:cNvGrpSpPr/>
-        <p:nvPr/>
-      </p:nvGrpSpPr>
-      <p:grpSpPr>
-        <a:xfrm>
-          <a:off x="0" y="0"/>
-          <a:ext cx="0" cy="0"/>
-          <a:chOff x="0" y="0"/>
-          <a:chExt cx="0" cy="0"/>
-        </a:xfrm>
-      </p:grpSpPr>
-      <p:pic>
-        <p:nvPicPr>
-          <p:cNvPr id="5" name="Picture 4">
-            <a:extLst>
-              <a:ext uri="{FF2B5EF4-FFF2-40B4-BE49-F238E27FC236}">
-                <a16:creationId xmlns:a16="http://schemas.microsoft.com/office/drawing/2014/main" id="{08FCA58B-3DEF-351D-6672-659F91CE23BF}"/>
-              </a:ext>
-            </a:extLst>
-          </p:cNvPr>
-          <p:cNvPicPr>
-            <a:picLocks noChangeAspect="1"/>
-          </p:cNvPicPr>
-          <p:nvPr/>
-        </p:nvPicPr>
-        <p:blipFill>
-          <a:blip r:embed="rId2"/>
-          <a:stretch>
-            <a:fillRect/>
-          </a:stretch>
-        </p:blipFill>
-        <p:spPr>
-          <a:xfrm>
-            <a:off x="1638300" y="1200150"/>
-            <a:ext cx="8915400" cy="4457700"/>
-          </a:xfrm>
-          <a:prstGeom prst="rect">
-            <a:avLst/>
-          </a:prstGeom>
-        </p:spPr>
-      </p:pic>
-    </p:spTree>
-    <p:extLst>
-      <p:ext uri="{BB962C8B-B14F-4D97-AF65-F5344CB8AC3E}">
-        <p14:creationId xmlns:p14="http://schemas.microsoft.com/office/powerpoint/2010/main" val="4077084079"/>
-      </p:ext>
-    </p:extLst>
-  </p:cSld>
-  <p:clrMapOvr>
-    <a:masterClrMapping/>
-  </p:clrMapOvr>
-</p:sld>
-</file>
-
-<file path=ppt/slides/slide4.xml><?xml version="1.0" encoding="utf-8"?>
-<p:sld xmlns:a="http://schemas.openxmlformats.org/drawingml/2006/main" xmlns:r="http://schemas.openxmlformats.org/officeDocument/2006/relationships" xmlns:p="http://schemas.openxmlformats.org/presentationml/2006/main">
-  <p:cSld>
-    <p:spTree>
-      <p:nvGrpSpPr>
-        <p:cNvPr id="1" name=""/>
-        <p:cNvGrpSpPr/>
-        <p:nvPr/>
-      </p:nvGrpSpPr>
-      <p:grpSpPr>
-        <a:xfrm>
-          <a:off x="0" y="0"/>
-          <a:ext cx="0" cy="0"/>
-          <a:chOff x="0" y="0"/>
-          <a:chExt cx="0" cy="0"/>
-        </a:xfrm>
-      </p:grpSpPr>
-      <p:pic>
-        <p:nvPicPr>
-          <p:cNvPr id="5" name="Picture 4">
-            <a:extLst>
-              <a:ext uri="{FF2B5EF4-FFF2-40B4-BE49-F238E27FC236}">
-                <a16:creationId xmlns:a16="http://schemas.microsoft.com/office/drawing/2014/main" id="{CECA54E5-6DFA-9643-DA35-96E69FD19AFE}"/>
-              </a:ext>
-            </a:extLst>
-          </p:cNvPr>
-          <p:cNvPicPr>
-            <a:picLocks noChangeAspect="1"/>
-          </p:cNvPicPr>
-          <p:nvPr/>
-        </p:nvPicPr>
-        <p:blipFill>
-          <a:blip r:embed="rId2"/>
-          <a:stretch>
-            <a:fillRect/>
-          </a:stretch>
-        </p:blipFill>
-        <p:spPr>
-          <a:xfrm>
-            <a:off x="1638300" y="1200150"/>
-            <a:ext cx="8915400" cy="4457700"/>
-          </a:xfrm>
-          <a:prstGeom prst="rect">
-            <a:avLst/>
-          </a:prstGeom>
-        </p:spPr>
-      </p:pic>
-      <p:sp>
-        <p:nvSpPr>
-          <p:cNvPr id="6" name="TextBox 5">
-            <a:extLst>
-              <a:ext uri="{FF2B5EF4-FFF2-40B4-BE49-F238E27FC236}">
-                <a16:creationId xmlns:a16="http://schemas.microsoft.com/office/drawing/2014/main" id="{C4864BF6-CC07-4C31-6295-BD2B89D21BCA}"/>
-              </a:ext>
-            </a:extLst>
-          </p:cNvPr>
-          <p:cNvSpPr txBox="1"/>
-          <p:nvPr/>
-        </p:nvSpPr>
-        <p:spPr>
-          <a:xfrm>
-            <a:off x="2890345" y="6074979"/>
-            <a:ext cx="2039007" cy="369332"/>
-          </a:xfrm>
-          <a:prstGeom prst="rect">
-            <a:avLst/>
-          </a:prstGeom>
-          <a:noFill/>
-        </p:spPr>
-        <p:txBody>
-          <a:bodyPr wrap="square" rtlCol="0">
-            <a:spAutoFit/>
-          </a:bodyPr>
-          <a:lstStyle/>
-          <a:p>
-            <a:r>
-              <a:rPr lang="ja-JP" altLang="en-US" dirty="0"/>
-              <a:t>数値標準化後</a:t>
-            </a:r>
-            <a:endParaRPr lang="en-US" dirty="0"/>
-          </a:p>
-        </p:txBody>
-      </p:sp>
-    </p:spTree>
-    <p:extLst>
-      <p:ext uri="{BB962C8B-B14F-4D97-AF65-F5344CB8AC3E}">
-        <p14:creationId xmlns:p14="http://schemas.microsoft.com/office/powerpoint/2010/main" val="2085683877"/>
+        <p14:creationId xmlns:p14="http://schemas.microsoft.com/office/powerpoint/2010/main" val="249758399"/>
       </p:ext>
     </p:extLst>
   </p:cSld>
